--- a/Documents/Zola Projeck.pptx
+++ b/Documents/Zola Projeck.pptx
@@ -2650,7 +2650,6 @@
           <a:p>
             <a:r>
               <a:rPr lang="en-US" sz="13800" b="1">
-                <a:ln/>
                 <a:solidFill>
                   <a:schemeClr val="tx1"/>
                 </a:solidFill>
@@ -2665,7 +2664,6 @@
               <a:t>Zola Projeck</a:t>
             </a:r>
             <a:endParaRPr lang="en-US" sz="13800" b="1">
-              <a:ln/>
               <a:solidFill>
                 <a:schemeClr val="tx1"/>
               </a:solidFill>
@@ -2702,8 +2700,12 @@
             <a:endParaRPr lang="en-US" sz="4800"/>
           </a:p>
           <a:p>
-            <a:pPr algn="r"/>
-            <a:endParaRPr lang="en-US" sz="2000" i="1"/>
+            <a:pPr algn="ctr"/>
+            <a:r>
+              <a:rPr lang="en-US" sz="1800" i="1"/>
+              <a:t>https://github.com/Tuandl/Zola-Projeck</a:t>
+            </a:r>
+            <a:endParaRPr lang="en-US" sz="1800" i="1"/>
           </a:p>
           <a:p>
             <a:pPr algn="r"/>
